--- a/jsp_ppt/13장. Jsp-JDBC.pptx
+++ b/jsp_ppt/13장. Jsp-JDBC.pptx
@@ -49,10 +49,10 @@
     <p:sldId id="422" r:id="rId40"/>
     <p:sldId id="423" r:id="rId41"/>
     <p:sldId id="424" r:id="rId42"/>
-    <p:sldId id="425" r:id="rId43"/>
-    <p:sldId id="426" r:id="rId44"/>
-    <p:sldId id="427" r:id="rId45"/>
-    <p:sldId id="429" r:id="rId46"/>
+    <p:sldId id="429" r:id="rId43"/>
+    <p:sldId id="425" r:id="rId44"/>
+    <p:sldId id="426" r:id="rId45"/>
+    <p:sldId id="427" r:id="rId46"/>
     <p:sldId id="430" r:id="rId47"/>
     <p:sldId id="431" r:id="rId48"/>
   </p:sldIdLst>
@@ -254,7 +254,7 @@
           <a:p>
             <a:fld id="{7665CDAC-D627-4E87-877A-1B781DD4CADC}" type="datetimeFigureOut">
               <a:rPr lang="ko-KR" altLang="en-US" smtClean="0"/>
-              <a:t>2023-06-17</a:t>
+              <a:t>2023-07-10</a:t>
             </a:fld>
             <a:endParaRPr lang="ko-KR" altLang="en-US"/>
           </a:p>
@@ -792,7 +792,7 @@
           <a:p>
             <a:fld id="{F4AC81B4-D91A-4578-85B3-829E63FCFE17}" type="datetime1">
               <a:rPr lang="ko-KR" altLang="en-US" smtClean="0"/>
-              <a:t>2023-06-17</a:t>
+              <a:t>2023-07-10</a:t>
             </a:fld>
             <a:endParaRPr lang="ko-KR" altLang="en-US"/>
           </a:p>
@@ -1167,7 +1167,7 @@
           <a:p>
             <a:fld id="{F5B77542-37E5-48F2-BAE7-80CC6B0EB6A3}" type="datetime1">
               <a:rPr lang="ko-KR" altLang="en-US" smtClean="0"/>
-              <a:t>2023-06-17</a:t>
+              <a:t>2023-07-10</a:t>
             </a:fld>
             <a:endParaRPr lang="ko-KR" altLang="en-US"/>
           </a:p>
@@ -1347,7 +1347,7 @@
           <a:p>
             <a:fld id="{227CF174-B5AC-4A98-B673-0BE8126D3F27}" type="datetime1">
               <a:rPr lang="ko-KR" altLang="en-US" smtClean="0"/>
-              <a:t>2023-06-17</a:t>
+              <a:t>2023-07-10</a:t>
             </a:fld>
             <a:endParaRPr lang="ko-KR" altLang="en-US"/>
           </a:p>
@@ -1521,7 +1521,7 @@
           <a:p>
             <a:fld id="{E20FDEC8-1339-42E8-9704-2977280C2FD3}" type="datetime1">
               <a:rPr lang="ko-KR" altLang="en-US" smtClean="0"/>
-              <a:t>2023-06-17</a:t>
+              <a:t>2023-07-10</a:t>
             </a:fld>
             <a:endParaRPr lang="ko-KR" altLang="en-US"/>
           </a:p>
@@ -1767,7 +1767,7 @@
           <a:p>
             <a:fld id="{4D18DC76-A282-4817-B790-197F054E1215}" type="datetime1">
               <a:rPr lang="ko-KR" altLang="en-US" smtClean="0"/>
-              <a:t>2023-06-17</a:t>
+              <a:t>2023-07-10</a:t>
             </a:fld>
             <a:endParaRPr lang="ko-KR" altLang="en-US"/>
           </a:p>
@@ -2055,7 +2055,7 @@
           <a:p>
             <a:fld id="{6680AA6C-13D8-43E4-90F0-E6C88A2B9F16}" type="datetime1">
               <a:rPr lang="ko-KR" altLang="en-US" smtClean="0"/>
-              <a:t>2023-06-17</a:t>
+              <a:t>2023-07-10</a:t>
             </a:fld>
             <a:endParaRPr lang="ko-KR" altLang="en-US"/>
           </a:p>
@@ -2477,7 +2477,7 @@
           <a:p>
             <a:fld id="{3EF5B03B-20CC-436E-8601-C933C6C1F4A6}" type="datetime1">
               <a:rPr lang="ko-KR" altLang="en-US" smtClean="0"/>
-              <a:t>2023-06-17</a:t>
+              <a:t>2023-07-10</a:t>
             </a:fld>
             <a:endParaRPr lang="ko-KR" altLang="en-US"/>
           </a:p>
@@ -2595,7 +2595,7 @@
           <a:p>
             <a:fld id="{87B5A15D-8B08-482F-AB47-E416EC355EB6}" type="datetime1">
               <a:rPr lang="ko-KR" altLang="en-US" smtClean="0"/>
-              <a:t>2023-06-17</a:t>
+              <a:t>2023-07-10</a:t>
             </a:fld>
             <a:endParaRPr lang="ko-KR" altLang="en-US"/>
           </a:p>
@@ -2690,7 +2690,7 @@
           <a:p>
             <a:fld id="{A877D7F8-7B64-44F8-A411-CBD22F28CBFF}" type="datetime1">
               <a:rPr lang="ko-KR" altLang="en-US" smtClean="0"/>
-              <a:t>2023-06-17</a:t>
+              <a:t>2023-07-10</a:t>
             </a:fld>
             <a:endParaRPr lang="ko-KR" altLang="en-US"/>
           </a:p>
@@ -2967,7 +2967,7 @@
           <a:p>
             <a:fld id="{E12DBD9B-2BB6-4D1F-BCB4-1E48829C93C3}" type="datetime1">
               <a:rPr lang="ko-KR" altLang="en-US" smtClean="0"/>
-              <a:t>2023-06-17</a:t>
+              <a:t>2023-07-10</a:t>
             </a:fld>
             <a:endParaRPr lang="ko-KR" altLang="en-US"/>
           </a:p>
@@ -3220,7 +3220,7 @@
           <a:p>
             <a:fld id="{17564C48-0CD7-40EB-BE64-BBF4DB8C56AF}" type="datetime1">
               <a:rPr lang="ko-KR" altLang="en-US" smtClean="0"/>
-              <a:t>2023-06-17</a:t>
+              <a:t>2023-07-10</a:t>
             </a:fld>
             <a:endParaRPr lang="ko-KR" altLang="en-US"/>
           </a:p>
@@ -3400,7 +3400,7 @@
           <a:p>
             <a:fld id="{C116BCB4-B68B-4638-8167-F4BDC0A30DA1}" type="datetime1">
               <a:rPr lang="ko-KR" altLang="en-US" smtClean="0"/>
-              <a:t>2023-06-17</a:t>
+              <a:t>2023-07-10</a:t>
             </a:fld>
             <a:endParaRPr lang="ko-KR" altLang="en-US"/>
           </a:p>
@@ -16851,7 +16851,7 @@
             </a:r>
             <a:r>
               <a:rPr lang="ko-KR" altLang="en-US" dirty="0" smtClean="0"/>
-              <a:t>데이터베이스 커넥션 풀</a:t>
+              <a:t>트랜잭션 처리</a:t>
             </a:r>
             <a:endParaRPr lang="ko-KR" altLang="en-US" dirty="0"/>
           </a:p>
@@ -16859,14 +16859,14 @@
       </p:sp>
       <p:sp>
         <p:nvSpPr>
-          <p:cNvPr id="5" name="TextBox 4"/>
+          <p:cNvPr id="6" name="TextBox 5"/>
           <p:cNvSpPr txBox="1"/>
           <p:nvPr/>
         </p:nvSpPr>
         <p:spPr>
           <a:xfrm>
-            <a:off x="776536" y="1052736"/>
-            <a:ext cx="8928992" cy="494494"/>
+            <a:off x="776536" y="980728"/>
+            <a:ext cx="8928992" cy="875689"/>
           </a:xfrm>
           <a:prstGeom prst="rect">
             <a:avLst/>
@@ -16885,51 +16885,427 @@
               </a:lnSpc>
             </a:pPr>
             <a:r>
-              <a:rPr lang="en-US" altLang="ko-KR" sz="2000" b="1" dirty="0" err="1" smtClean="0"/>
-              <a:t>Jsp</a:t>
-            </a:r>
-            <a:r>
               <a:rPr lang="ko-KR" altLang="en-US" sz="2000" b="1" dirty="0" smtClean="0"/>
-              <a:t>로 커넥션 풀 구현하기 실습</a:t>
-            </a:r>
-            <a:endParaRPr lang="en-US" altLang="ko-KR" sz="2000" b="1" dirty="0"/>
-          </a:p>
-        </p:txBody>
-      </p:sp>
-      <p:pic>
-        <p:nvPicPr>
-          <p:cNvPr id="2" name="그림 1"/>
-          <p:cNvPicPr>
-            <a:picLocks noChangeAspect="1"/>
-          </p:cNvPicPr>
-          <p:nvPr/>
-        </p:nvPicPr>
-        <p:blipFill>
-          <a:blip r:embed="rId2">
-            <a:extLst>
-              <a:ext uri="{28A0092B-C50C-407E-A947-70E740481C1C}">
-                <a14:useLocalDpi xmlns:a14="http://schemas.microsoft.com/office/drawing/2010/main" val="0"/>
-              </a:ext>
-            </a:extLst>
-          </a:blip>
-          <a:stretch>
-            <a:fillRect/>
-          </a:stretch>
-        </p:blipFill>
-        <p:spPr>
-          <a:xfrm>
-            <a:off x="620670" y="2060848"/>
-            <a:ext cx="9068586" cy="2522439"/>
-          </a:xfrm>
-          <a:prstGeom prst="rect">
-            <a:avLst/>
-          </a:prstGeom>
-        </p:spPr>
-      </p:pic>
+              <a:t>트랜잭션이란</a:t>
+            </a:r>
+            <a:r>
+              <a:rPr lang="en-US" altLang="ko-KR" sz="2000" b="1" dirty="0" smtClean="0"/>
+              <a:t>?</a:t>
+            </a:r>
+          </a:p>
+          <a:p>
+            <a:pPr>
+              <a:lnSpc>
+                <a:spcPct val="150000"/>
+              </a:lnSpc>
+            </a:pPr>
+            <a:r>
+              <a:rPr lang="ko-KR" altLang="en-US" sz="1600" dirty="0" smtClean="0"/>
+              <a:t>데이터베이스에서 일련의 작업을 하나로 묶어 처리하는 것을 의미한다</a:t>
+            </a:r>
+            <a:r>
+              <a:rPr lang="en-US" altLang="ko-KR" sz="1600" dirty="0" smtClean="0"/>
+              <a:t>.</a:t>
+            </a:r>
+          </a:p>
+        </p:txBody>
+      </p:sp>
+      <p:sp>
+        <p:nvSpPr>
+          <p:cNvPr id="7" name="TextBox 6"/>
+          <p:cNvSpPr txBox="1"/>
+          <p:nvPr/>
+        </p:nvSpPr>
+        <p:spPr>
+          <a:xfrm>
+            <a:off x="776536" y="2996952"/>
+            <a:ext cx="8856984" cy="3139321"/>
+          </a:xfrm>
+          <a:prstGeom prst="rect">
+            <a:avLst/>
+          </a:prstGeom>
+          <a:noFill/>
+        </p:spPr>
+        <p:txBody>
+          <a:bodyPr wrap="square" rtlCol="0">
+            <a:spAutoFit/>
+          </a:bodyPr>
+          <a:lstStyle/>
+          <a:p>
+            <a:pPr>
+              <a:lnSpc>
+                <a:spcPct val="150000"/>
+              </a:lnSpc>
+            </a:pPr>
+            <a:r>
+              <a:rPr lang="en-US" altLang="ko-KR" sz="2000" b="1" dirty="0">
+                <a:solidFill>
+                  <a:srgbClr val="C00000"/>
+                </a:solidFill>
+              </a:rPr>
+              <a:t>c</a:t>
+            </a:r>
+            <a:r>
+              <a:rPr lang="en-US" altLang="ko-KR" sz="2000" b="1" dirty="0" smtClean="0">
+                <a:solidFill>
+                  <a:srgbClr val="C00000"/>
+                </a:solidFill>
+              </a:rPr>
+              <a:t>ommit </a:t>
+            </a:r>
+            <a:r>
+              <a:rPr lang="ko-KR" altLang="en-US" sz="2000" b="1" dirty="0" smtClean="0">
+                <a:solidFill>
+                  <a:srgbClr val="C00000"/>
+                </a:solidFill>
+              </a:rPr>
+              <a:t>과 </a:t>
+            </a:r>
+            <a:r>
+              <a:rPr lang="en-US" altLang="ko-KR" sz="2000" b="1" dirty="0" smtClean="0">
+                <a:solidFill>
+                  <a:srgbClr val="C00000"/>
+                </a:solidFill>
+              </a:rPr>
+              <a:t>rollback</a:t>
+            </a:r>
+          </a:p>
+          <a:p>
+            <a:pPr>
+              <a:lnSpc>
+                <a:spcPct val="150000"/>
+              </a:lnSpc>
+            </a:pPr>
+            <a:r>
+              <a:rPr lang="en-US" altLang="ko-KR" sz="1600" dirty="0" smtClean="0"/>
+              <a:t>Commit : </a:t>
+            </a:r>
+            <a:r>
+              <a:rPr lang="ko-KR" altLang="en-US" sz="1600" dirty="0" smtClean="0"/>
+              <a:t>데이터 베이스에서 트랜잭션이 완료되었음을 알리는 명령이다</a:t>
+            </a:r>
+            <a:r>
+              <a:rPr lang="en-US" altLang="ko-KR" sz="1600" dirty="0" smtClean="0"/>
+              <a:t>. Commit</a:t>
+            </a:r>
+            <a:r>
+              <a:rPr lang="ko-KR" altLang="en-US" sz="1600" dirty="0" smtClean="0"/>
+              <a:t>이 완료되기까지 결과는 현재 커넥션에서만 유효하고</a:t>
+            </a:r>
+            <a:r>
+              <a:rPr lang="en-US" altLang="ko-KR" sz="1600" dirty="0" smtClean="0"/>
+              <a:t>, </a:t>
+            </a:r>
+            <a:r>
+              <a:rPr lang="ko-KR" altLang="en-US" sz="1600" dirty="0" smtClean="0"/>
+              <a:t>다른 커넥션에서는 처리 내용을 확인할 수 없다</a:t>
+            </a:r>
+            <a:r>
+              <a:rPr lang="en-US" altLang="ko-KR" sz="1600" dirty="0" smtClean="0"/>
+              <a:t>. </a:t>
+            </a:r>
+            <a:r>
+              <a:rPr lang="ko-KR" altLang="en-US" sz="1600" dirty="0" smtClean="0"/>
+              <a:t>즉 </a:t>
+            </a:r>
+            <a:r>
+              <a:rPr lang="en-US" altLang="ko-KR" sz="1600" dirty="0" smtClean="0"/>
+              <a:t>commit</a:t>
+            </a:r>
+            <a:r>
+              <a:rPr lang="ko-KR" altLang="en-US" sz="1600" dirty="0" smtClean="0"/>
+              <a:t>이 완료되어야만 다른 커넥션에서도 변경된 데이터를 확인할 수 있다</a:t>
+            </a:r>
+            <a:r>
+              <a:rPr lang="en-US" altLang="ko-KR" sz="1600" dirty="0" smtClean="0"/>
+              <a:t>.</a:t>
+            </a:r>
+          </a:p>
+          <a:p>
+            <a:pPr>
+              <a:lnSpc>
+                <a:spcPct val="150000"/>
+              </a:lnSpc>
+            </a:pPr>
+            <a:endParaRPr lang="en-US" altLang="ko-KR" sz="1600" dirty="0"/>
+          </a:p>
+          <a:p>
+            <a:pPr>
+              <a:lnSpc>
+                <a:spcPct val="150000"/>
+              </a:lnSpc>
+            </a:pPr>
+            <a:r>
+              <a:rPr lang="en-US" altLang="ko-KR" sz="1600" dirty="0" smtClean="0"/>
+              <a:t>Rollback : </a:t>
+            </a:r>
+            <a:r>
+              <a:rPr lang="ko-KR" altLang="en-US" sz="1600" dirty="0" smtClean="0"/>
+              <a:t>트랜잭션을 취소하는 명령으로</a:t>
+            </a:r>
+            <a:r>
+              <a:rPr lang="en-US" altLang="ko-KR" sz="1600" dirty="0" smtClean="0"/>
+              <a:t>, </a:t>
+            </a:r>
+            <a:r>
+              <a:rPr lang="ko-KR" altLang="en-US" sz="1600" dirty="0" smtClean="0"/>
+              <a:t>현재 연결에서 수행한 결과를 원래대로 되돌리는 역할을 한다</a:t>
+            </a:r>
+            <a:r>
+              <a:rPr lang="en-US" altLang="ko-KR" sz="1600" dirty="0" smtClean="0"/>
+              <a:t>. </a:t>
+            </a:r>
+            <a:r>
+              <a:rPr lang="ko-KR" altLang="en-US" sz="1600" dirty="0" smtClean="0"/>
+              <a:t>트랜잭션이 잘못되었을 경우 </a:t>
+            </a:r>
+            <a:r>
+              <a:rPr lang="en-US" altLang="ko-KR" sz="1600" dirty="0" smtClean="0"/>
+              <a:t>rollback</a:t>
+            </a:r>
+            <a:r>
+              <a:rPr lang="ko-KR" altLang="en-US" sz="1600" dirty="0" smtClean="0"/>
+              <a:t>을 이용해 모든 작업을 원래 상태로 되돌릴 수 있다</a:t>
+            </a:r>
+            <a:r>
+              <a:rPr lang="en-US" altLang="ko-KR" sz="1600" dirty="0" smtClean="0"/>
+              <a:t>.</a:t>
+            </a:r>
+          </a:p>
+        </p:txBody>
+      </p:sp>
+      <p:sp>
+        <p:nvSpPr>
+          <p:cNvPr id="8" name="TextBox 7"/>
+          <p:cNvSpPr txBox="1"/>
+          <p:nvPr/>
+        </p:nvSpPr>
+        <p:spPr>
+          <a:xfrm>
+            <a:off x="1064568" y="1988840"/>
+            <a:ext cx="8064896" cy="919401"/>
+          </a:xfrm>
+          <a:prstGeom prst="roundRect">
+            <a:avLst/>
+          </a:prstGeom>
+          <a:ln w="12700"/>
+        </p:spPr>
+        <p:style>
+          <a:lnRef idx="2">
+            <a:schemeClr val="dk1"/>
+          </a:lnRef>
+          <a:fillRef idx="1">
+            <a:schemeClr val="lt1"/>
+          </a:fillRef>
+          <a:effectRef idx="0">
+            <a:schemeClr val="dk1"/>
+          </a:effectRef>
+          <a:fontRef idx="minor">
+            <a:schemeClr val="dk1"/>
+          </a:fontRef>
+        </p:style>
+        <p:txBody>
+          <a:bodyPr wrap="square" rtlCol="0">
+            <a:spAutoFit/>
+          </a:bodyPr>
+          <a:lstStyle/>
+          <a:p>
+            <a:r>
+              <a:rPr lang="ko-KR" altLang="en-US" sz="1600" b="1" dirty="0" smtClean="0">
+                <a:solidFill>
+                  <a:srgbClr val="0070C0"/>
+                </a:solidFill>
+              </a:rPr>
+              <a:t>한 고객이 계좌이체 중 통장 </a:t>
+            </a:r>
+            <a:r>
+              <a:rPr lang="en-US" altLang="ko-KR" sz="1600" b="1" dirty="0" smtClean="0">
+                <a:solidFill>
+                  <a:srgbClr val="0070C0"/>
+                </a:solidFill>
+              </a:rPr>
+              <a:t>A</a:t>
+            </a:r>
+            <a:r>
+              <a:rPr lang="ko-KR" altLang="en-US" sz="1600" b="1" dirty="0" smtClean="0">
+                <a:solidFill>
+                  <a:srgbClr val="0070C0"/>
+                </a:solidFill>
+              </a:rPr>
+              <a:t>에서 통장 </a:t>
+            </a:r>
+            <a:r>
+              <a:rPr lang="en-US" altLang="ko-KR" sz="1600" b="1" dirty="0" smtClean="0">
+                <a:solidFill>
+                  <a:srgbClr val="0070C0"/>
+                </a:solidFill>
+              </a:rPr>
+              <a:t>B</a:t>
+            </a:r>
+            <a:r>
+              <a:rPr lang="ko-KR" altLang="en-US" sz="1600" b="1" dirty="0" smtClean="0">
+                <a:solidFill>
+                  <a:srgbClr val="0070C0"/>
+                </a:solidFill>
+              </a:rPr>
+              <a:t>로 송금을 처리하는 중에 통장 </a:t>
+            </a:r>
+            <a:r>
+              <a:rPr lang="en-US" altLang="ko-KR" sz="1600" b="1" dirty="0" smtClean="0">
+                <a:solidFill>
+                  <a:srgbClr val="0070C0"/>
+                </a:solidFill>
+              </a:rPr>
+              <a:t>A</a:t>
+            </a:r>
+            <a:r>
+              <a:rPr lang="ko-KR" altLang="en-US" sz="1600" b="1" dirty="0" smtClean="0">
+                <a:solidFill>
+                  <a:srgbClr val="0070C0"/>
+                </a:solidFill>
+              </a:rPr>
+              <a:t>에서는 인출되었는데 통장 </a:t>
+            </a:r>
+            <a:r>
+              <a:rPr lang="en-US" altLang="ko-KR" sz="1600" b="1" dirty="0" smtClean="0">
+                <a:solidFill>
+                  <a:srgbClr val="0070C0"/>
+                </a:solidFill>
+              </a:rPr>
+              <a:t>B</a:t>
+            </a:r>
+            <a:r>
+              <a:rPr lang="ko-KR" altLang="en-US" sz="1600" b="1" dirty="0" smtClean="0">
+                <a:solidFill>
+                  <a:srgbClr val="0070C0"/>
+                </a:solidFill>
+              </a:rPr>
+              <a:t>로</a:t>
+            </a:r>
+            <a:r>
+              <a:rPr lang="en-US" altLang="ko-KR" sz="1600" b="1" dirty="0" smtClean="0">
+                <a:solidFill>
+                  <a:srgbClr val="0070C0"/>
+                </a:solidFill>
+              </a:rPr>
+              <a:t> </a:t>
+            </a:r>
+            <a:r>
+              <a:rPr lang="ko-KR" altLang="en-US" sz="1600" b="1" dirty="0" err="1" smtClean="0">
+                <a:solidFill>
+                  <a:srgbClr val="0070C0"/>
+                </a:solidFill>
+              </a:rPr>
+              <a:t>송금중</a:t>
+            </a:r>
+            <a:r>
+              <a:rPr lang="ko-KR" altLang="en-US" sz="1600" b="1" dirty="0" smtClean="0">
+                <a:solidFill>
+                  <a:srgbClr val="0070C0"/>
+                </a:solidFill>
+              </a:rPr>
+              <a:t> 문제가 발생</a:t>
+            </a:r>
+            <a:r>
+              <a:rPr lang="en-US" altLang="ko-KR" sz="1600" b="1" dirty="0" smtClean="0">
+                <a:solidFill>
+                  <a:srgbClr val="0070C0"/>
+                </a:solidFill>
+              </a:rPr>
+              <a:t>(</a:t>
+            </a:r>
+            <a:r>
+              <a:rPr lang="ko-KR" altLang="en-US" sz="1600" b="1" dirty="0" smtClean="0">
+                <a:solidFill>
+                  <a:srgbClr val="0070C0"/>
+                </a:solidFill>
+              </a:rPr>
+              <a:t>정전</a:t>
+            </a:r>
+            <a:r>
+              <a:rPr lang="en-US" altLang="ko-KR" sz="1600" b="1" dirty="0" smtClean="0">
+                <a:solidFill>
+                  <a:srgbClr val="0070C0"/>
+                </a:solidFill>
+              </a:rPr>
+              <a:t>, </a:t>
+            </a:r>
+            <a:r>
+              <a:rPr lang="ko-KR" altLang="en-US" sz="1600" b="1" dirty="0" smtClean="0">
+                <a:solidFill>
+                  <a:srgbClr val="0070C0"/>
+                </a:solidFill>
+              </a:rPr>
+              <a:t>전산오류</a:t>
+            </a:r>
+            <a:r>
+              <a:rPr lang="en-US" altLang="ko-KR" sz="1600" b="1" dirty="0">
+                <a:solidFill>
+                  <a:srgbClr val="0070C0"/>
+                </a:solidFill>
+              </a:rPr>
+              <a:t> </a:t>
+            </a:r>
+            <a:r>
+              <a:rPr lang="ko-KR" altLang="en-US" sz="1600" b="1" dirty="0" smtClean="0">
+                <a:solidFill>
+                  <a:srgbClr val="0070C0"/>
+                </a:solidFill>
+              </a:rPr>
+              <a:t>등</a:t>
+            </a:r>
+            <a:r>
+              <a:rPr lang="en-US" altLang="ko-KR" sz="1600" b="1" dirty="0" smtClean="0">
+                <a:solidFill>
+                  <a:srgbClr val="0070C0"/>
+                </a:solidFill>
+              </a:rPr>
+              <a:t>)</a:t>
+            </a:r>
+            <a:r>
+              <a:rPr lang="ko-KR" altLang="en-US" sz="1600" b="1" dirty="0" smtClean="0">
+                <a:solidFill>
+                  <a:srgbClr val="0070C0"/>
+                </a:solidFill>
+              </a:rPr>
+              <a:t>할 경우 </a:t>
+            </a:r>
+            <a:r>
+              <a:rPr lang="en-US" altLang="ko-KR" sz="1600" b="1" dirty="0" smtClean="0">
+                <a:solidFill>
+                  <a:srgbClr val="0070C0"/>
+                </a:solidFill>
+              </a:rPr>
+              <a:t>B</a:t>
+            </a:r>
+            <a:r>
+              <a:rPr lang="ko-KR" altLang="en-US" sz="1600" b="1" dirty="0" smtClean="0">
+                <a:solidFill>
+                  <a:srgbClr val="0070C0"/>
+                </a:solidFill>
+              </a:rPr>
+              <a:t>로 송금이 되지 않았다면 인출된 돈은 어떻게 처리해야 할까</a:t>
+            </a:r>
+            <a:r>
+              <a:rPr lang="en-US" altLang="ko-KR" sz="1600" b="1" dirty="0" smtClean="0">
+                <a:solidFill>
+                  <a:srgbClr val="0070C0"/>
+                </a:solidFill>
+              </a:rPr>
+              <a:t>?</a:t>
+            </a:r>
+            <a:endParaRPr lang="ko-KR" altLang="en-US" sz="1600" b="1" dirty="0">
+              <a:solidFill>
+                <a:srgbClr val="0070C0"/>
+              </a:solidFill>
+            </a:endParaRPr>
+          </a:p>
+        </p:txBody>
+      </p:sp>
     </p:spTree>
     <p:extLst>
       <p:ext uri="{BB962C8B-B14F-4D97-AF65-F5344CB8AC3E}">
-        <p14:creationId xmlns:p14="http://schemas.microsoft.com/office/powerpoint/2010/main" val="2968239524"/>
+        <p14:creationId xmlns:p14="http://schemas.microsoft.com/office/powerpoint/2010/main" val="1594395961"/>
       </p:ext>
     </p:extLst>
   </p:cSld>
@@ -17015,6 +17391,45 @@
           </a:p>
         </p:txBody>
       </p:sp>
+      <p:sp>
+        <p:nvSpPr>
+          <p:cNvPr id="5" name="TextBox 4"/>
+          <p:cNvSpPr txBox="1"/>
+          <p:nvPr/>
+        </p:nvSpPr>
+        <p:spPr>
+          <a:xfrm>
+            <a:off x="776536" y="1052736"/>
+            <a:ext cx="8928992" cy="494494"/>
+          </a:xfrm>
+          <a:prstGeom prst="rect">
+            <a:avLst/>
+          </a:prstGeom>
+          <a:noFill/>
+        </p:spPr>
+        <p:txBody>
+          <a:bodyPr wrap="square" rtlCol="0">
+            <a:spAutoFit/>
+          </a:bodyPr>
+          <a:lstStyle/>
+          <a:p>
+            <a:pPr>
+              <a:lnSpc>
+                <a:spcPct val="150000"/>
+              </a:lnSpc>
+            </a:pPr>
+            <a:r>
+              <a:rPr lang="en-US" altLang="ko-KR" sz="2000" b="1" dirty="0" err="1" smtClean="0"/>
+              <a:t>Jsp</a:t>
+            </a:r>
+            <a:r>
+              <a:rPr lang="ko-KR" altLang="en-US" sz="2000" b="1" dirty="0" smtClean="0"/>
+              <a:t>로 커넥션 풀 구현하기 실습</a:t>
+            </a:r>
+            <a:endParaRPr lang="en-US" altLang="ko-KR" sz="2000" b="1" dirty="0"/>
+          </a:p>
+        </p:txBody>
+      </p:sp>
       <p:pic>
         <p:nvPicPr>
           <p:cNvPr id="2" name="그림 1"/>
@@ -17037,63 +17452,18 @@
         </p:blipFill>
         <p:spPr>
           <a:xfrm>
-            <a:off x="1180773" y="1124744"/>
-            <a:ext cx="7544454" cy="4961050"/>
-          </a:xfrm>
-          <a:prstGeom prst="rect">
-            <a:avLst/>
-          </a:prstGeom>
-          <a:ln>
-            <a:solidFill>
-              <a:schemeClr val="bg1">
-                <a:lumMod val="85000"/>
-              </a:schemeClr>
-            </a:solidFill>
-          </a:ln>
+            <a:off x="620670" y="2060848"/>
+            <a:ext cx="9068586" cy="2522439"/>
+          </a:xfrm>
+          <a:prstGeom prst="rect">
+            <a:avLst/>
+          </a:prstGeom>
         </p:spPr>
       </p:pic>
-      <p:sp>
-        <p:nvSpPr>
-          <p:cNvPr id="9" name="TextBox 8"/>
-          <p:cNvSpPr txBox="1"/>
-          <p:nvPr/>
-        </p:nvSpPr>
-        <p:spPr>
-          <a:xfrm>
-            <a:off x="7761312" y="1585529"/>
-            <a:ext cx="1413333" cy="374571"/>
-          </a:xfrm>
-          <a:prstGeom prst="roundRect">
-            <a:avLst/>
-          </a:prstGeom>
-          <a:noFill/>
-          <a:ln>
-            <a:solidFill>
-              <a:schemeClr val="tx1">
-                <a:lumMod val="50000"/>
-                <a:lumOff val="50000"/>
-              </a:schemeClr>
-            </a:solidFill>
-          </a:ln>
-        </p:spPr>
-        <p:txBody>
-          <a:bodyPr wrap="square" rtlCol="0">
-            <a:spAutoFit/>
-          </a:bodyPr>
-          <a:lstStyle/>
-          <a:p>
-            <a:r>
-              <a:rPr lang="en-US" altLang="ko-KR" sz="1600" dirty="0" err="1" smtClean="0"/>
-              <a:t>dbcp_test.jsp</a:t>
-            </a:r>
-            <a:endParaRPr lang="ko-KR" altLang="en-US" sz="1600" dirty="0"/>
-          </a:p>
-        </p:txBody>
-      </p:sp>
     </p:spTree>
     <p:extLst>
       <p:ext uri="{BB962C8B-B14F-4D97-AF65-F5344CB8AC3E}">
-        <p14:creationId xmlns:p14="http://schemas.microsoft.com/office/powerpoint/2010/main" val="2699864575"/>
+        <p14:creationId xmlns:p14="http://schemas.microsoft.com/office/powerpoint/2010/main" val="2968239524"/>
       </p:ext>
     </p:extLst>
   </p:cSld>
@@ -17201,8 +17571,8 @@
         </p:blipFill>
         <p:spPr>
           <a:xfrm>
-            <a:off x="561504" y="912827"/>
-            <a:ext cx="8922441" cy="5179467"/>
+            <a:off x="1180773" y="1124744"/>
+            <a:ext cx="7544454" cy="4961050"/>
           </a:xfrm>
           <a:prstGeom prst="rect">
             <a:avLst/>
@@ -17218,7 +17588,7 @@
       </p:pic>
       <p:sp>
         <p:nvSpPr>
-          <p:cNvPr id="7" name="TextBox 6"/>
+          <p:cNvPr id="9" name="TextBox 8"/>
           <p:cNvSpPr txBox="1"/>
           <p:nvPr/>
         </p:nvSpPr>
@@ -17257,7 +17627,7 @@
     </p:spTree>
     <p:extLst>
       <p:ext uri="{BB962C8B-B14F-4D97-AF65-F5344CB8AC3E}">
-        <p14:creationId xmlns:p14="http://schemas.microsoft.com/office/powerpoint/2010/main" val="2159703443"/>
+        <p14:creationId xmlns:p14="http://schemas.microsoft.com/office/powerpoint/2010/main" val="2699864575"/>
       </p:ext>
     </p:extLst>
   </p:cSld>
@@ -17337,27 +17707,72 @@
             </a:r>
             <a:r>
               <a:rPr lang="ko-KR" altLang="en-US" dirty="0" smtClean="0"/>
-              <a:t>트랜잭션 처리</a:t>
+              <a:t>데이터베이스 커넥션 풀</a:t>
             </a:r>
             <a:endParaRPr lang="ko-KR" altLang="en-US" dirty="0"/>
           </a:p>
         </p:txBody>
       </p:sp>
-      <p:sp>
-        <p:nvSpPr>
-          <p:cNvPr id="6" name="TextBox 5"/>
+      <p:pic>
+        <p:nvPicPr>
+          <p:cNvPr id="2" name="그림 1"/>
+          <p:cNvPicPr>
+            <a:picLocks noChangeAspect="1"/>
+          </p:cNvPicPr>
+          <p:nvPr/>
+        </p:nvPicPr>
+        <p:blipFill>
+          <a:blip r:embed="rId2">
+            <a:extLst>
+              <a:ext uri="{28A0092B-C50C-407E-A947-70E740481C1C}">
+                <a14:useLocalDpi xmlns:a14="http://schemas.microsoft.com/office/drawing/2010/main" val="0"/>
+              </a:ext>
+            </a:extLst>
+          </a:blip>
+          <a:stretch>
+            <a:fillRect/>
+          </a:stretch>
+        </p:blipFill>
+        <p:spPr>
+          <a:xfrm>
+            <a:off x="561504" y="912827"/>
+            <a:ext cx="8922441" cy="5179467"/>
+          </a:xfrm>
+          <a:prstGeom prst="rect">
+            <a:avLst/>
+          </a:prstGeom>
+          <a:ln>
+            <a:solidFill>
+              <a:schemeClr val="bg1">
+                <a:lumMod val="85000"/>
+              </a:schemeClr>
+            </a:solidFill>
+          </a:ln>
+        </p:spPr>
+      </p:pic>
+      <p:sp>
+        <p:nvSpPr>
+          <p:cNvPr id="7" name="TextBox 6"/>
           <p:cNvSpPr txBox="1"/>
           <p:nvPr/>
         </p:nvSpPr>
         <p:spPr>
           <a:xfrm>
-            <a:off x="776536" y="980728"/>
-            <a:ext cx="8928992" cy="875689"/>
-          </a:xfrm>
-          <a:prstGeom prst="rect">
+            <a:off x="7761312" y="1585529"/>
+            <a:ext cx="1413333" cy="374571"/>
+          </a:xfrm>
+          <a:prstGeom prst="roundRect">
             <a:avLst/>
           </a:prstGeom>
           <a:noFill/>
+          <a:ln>
+            <a:solidFill>
+              <a:schemeClr val="tx1">
+                <a:lumMod val="50000"/>
+                <a:lumOff val="50000"/>
+              </a:schemeClr>
+            </a:solidFill>
+          </a:ln>
         </p:spPr>
         <p:txBody>
           <a:bodyPr wrap="square" rtlCol="0">
@@ -17365,433 +17780,18 @@
           </a:bodyPr>
           <a:lstStyle/>
           <a:p>
-            <a:pPr>
-              <a:lnSpc>
-                <a:spcPct val="150000"/>
-              </a:lnSpc>
-            </a:pPr>
-            <a:r>
-              <a:rPr lang="ko-KR" altLang="en-US" sz="2000" b="1" dirty="0" smtClean="0"/>
-              <a:t>트랜잭션이란</a:t>
-            </a:r>
-            <a:r>
-              <a:rPr lang="en-US" altLang="ko-KR" sz="2000" b="1" dirty="0" smtClean="0"/>
-              <a:t>?</a:t>
-            </a:r>
-          </a:p>
-          <a:p>
-            <a:pPr>
-              <a:lnSpc>
-                <a:spcPct val="150000"/>
-              </a:lnSpc>
-            </a:pPr>
-            <a:r>
-              <a:rPr lang="ko-KR" altLang="en-US" sz="1600" dirty="0" smtClean="0"/>
-              <a:t>데이터베이스에서 일련의 작업을 하나로 묶어 처리하는 것을 의미한다</a:t>
-            </a:r>
-            <a:r>
-              <a:rPr lang="en-US" altLang="ko-KR" sz="1600" dirty="0" smtClean="0"/>
-              <a:t>.</a:t>
-            </a:r>
-          </a:p>
-        </p:txBody>
-      </p:sp>
-      <p:sp>
-        <p:nvSpPr>
-          <p:cNvPr id="7" name="TextBox 6"/>
-          <p:cNvSpPr txBox="1"/>
-          <p:nvPr/>
-        </p:nvSpPr>
-        <p:spPr>
-          <a:xfrm>
-            <a:off x="776536" y="2996952"/>
-            <a:ext cx="8856984" cy="3139321"/>
-          </a:xfrm>
-          <a:prstGeom prst="rect">
-            <a:avLst/>
-          </a:prstGeom>
-          <a:noFill/>
-        </p:spPr>
-        <p:txBody>
-          <a:bodyPr wrap="square" rtlCol="0">
-            <a:spAutoFit/>
-          </a:bodyPr>
-          <a:lstStyle/>
-          <a:p>
-            <a:pPr>
-              <a:lnSpc>
-                <a:spcPct val="150000"/>
-              </a:lnSpc>
-            </a:pPr>
-            <a:r>
-              <a:rPr lang="en-US" altLang="ko-KR" sz="2000" b="1" dirty="0">
-                <a:solidFill>
-                  <a:srgbClr val="C00000"/>
-                </a:solidFill>
-              </a:rPr>
-              <a:t>c</a:t>
-            </a:r>
-            <a:r>
-              <a:rPr lang="en-US" altLang="ko-KR" sz="2000" b="1" dirty="0" smtClean="0">
-                <a:solidFill>
-                  <a:srgbClr val="C00000"/>
-                </a:solidFill>
-              </a:rPr>
-              <a:t>ommit </a:t>
-            </a:r>
-            <a:r>
-              <a:rPr lang="ko-KR" altLang="en-US" sz="2000" b="1" dirty="0" smtClean="0">
-                <a:solidFill>
-                  <a:srgbClr val="C00000"/>
-                </a:solidFill>
-              </a:rPr>
-              <a:t>과 </a:t>
-            </a:r>
-            <a:r>
-              <a:rPr lang="en-US" altLang="ko-KR" sz="2000" b="1" dirty="0" smtClean="0">
-                <a:solidFill>
-                  <a:srgbClr val="C00000"/>
-                </a:solidFill>
-              </a:rPr>
-              <a:t>rollback</a:t>
-            </a:r>
-          </a:p>
-          <a:p>
-            <a:pPr>
-              <a:lnSpc>
-                <a:spcPct val="150000"/>
-              </a:lnSpc>
-            </a:pPr>
-            <a:r>
-              <a:rPr lang="en-US" altLang="ko-KR" sz="1600" dirty="0" smtClean="0"/>
-              <a:t>Commit : </a:t>
-            </a:r>
-            <a:r>
-              <a:rPr lang="ko-KR" altLang="en-US" sz="1600" dirty="0" smtClean="0"/>
-              <a:t>데이터 베이스에서 트랜잭션이 완료되었음을 알리는 명령이다</a:t>
-            </a:r>
-            <a:r>
-              <a:rPr lang="en-US" altLang="ko-KR" sz="1600" dirty="0" smtClean="0"/>
-              <a:t>. Commit</a:t>
-            </a:r>
-            <a:r>
-              <a:rPr lang="ko-KR" altLang="en-US" sz="1600" dirty="0" smtClean="0"/>
-              <a:t>이 완료되기까지 결과는 현재 커넥션에서만 유효하고</a:t>
-            </a:r>
-            <a:r>
-              <a:rPr lang="en-US" altLang="ko-KR" sz="1600" dirty="0" smtClean="0"/>
-              <a:t>, </a:t>
-            </a:r>
-            <a:r>
-              <a:rPr lang="ko-KR" altLang="en-US" sz="1600" dirty="0" smtClean="0"/>
-              <a:t>다른 커넥션에서는 처리 내용을 확인할 수 없다</a:t>
-            </a:r>
-            <a:r>
-              <a:rPr lang="en-US" altLang="ko-KR" sz="1600" dirty="0" smtClean="0"/>
-              <a:t>. </a:t>
-            </a:r>
-            <a:r>
-              <a:rPr lang="ko-KR" altLang="en-US" sz="1600" dirty="0" smtClean="0"/>
-              <a:t>즉 </a:t>
-            </a:r>
-            <a:r>
-              <a:rPr lang="en-US" altLang="ko-KR" sz="1600" dirty="0" smtClean="0"/>
-              <a:t>commit</a:t>
-            </a:r>
-            <a:r>
-              <a:rPr lang="ko-KR" altLang="en-US" sz="1600" dirty="0" smtClean="0"/>
-              <a:t>이 완료되어야만 다른 커넥션에서도 변경된 데이터를 확인할 수 있다</a:t>
-            </a:r>
-            <a:r>
-              <a:rPr lang="en-US" altLang="ko-KR" sz="1600" dirty="0" smtClean="0"/>
-              <a:t>.</a:t>
-            </a:r>
-          </a:p>
-          <a:p>
-            <a:pPr>
-              <a:lnSpc>
-                <a:spcPct val="150000"/>
-              </a:lnSpc>
-            </a:pPr>
-            <a:endParaRPr lang="en-US" altLang="ko-KR" sz="1600" dirty="0"/>
-          </a:p>
-          <a:p>
-            <a:pPr>
-              <a:lnSpc>
-                <a:spcPct val="150000"/>
-              </a:lnSpc>
-            </a:pPr>
-            <a:r>
-              <a:rPr lang="en-US" altLang="ko-KR" sz="1600" dirty="0" smtClean="0"/>
-              <a:t>Rollback : </a:t>
-            </a:r>
-            <a:r>
-              <a:rPr lang="ko-KR" altLang="en-US" sz="1600" dirty="0" smtClean="0"/>
-              <a:t>트랜잭션을 취소하는 명령으로</a:t>
-            </a:r>
-            <a:r>
-              <a:rPr lang="en-US" altLang="ko-KR" sz="1600" dirty="0" smtClean="0"/>
-              <a:t>, </a:t>
-            </a:r>
-            <a:r>
-              <a:rPr lang="ko-KR" altLang="en-US" sz="1600" dirty="0" smtClean="0"/>
-              <a:t>현재 연결에서 수행한 결과를 원래대로 되돌리는 역할을 한다</a:t>
-            </a:r>
-            <a:r>
-              <a:rPr lang="en-US" altLang="ko-KR" sz="1600" dirty="0" smtClean="0"/>
-              <a:t>. </a:t>
-            </a:r>
-            <a:r>
-              <a:rPr lang="ko-KR" altLang="en-US" sz="1600" dirty="0" smtClean="0"/>
-              <a:t>트랜잭션이 잘못되었을 경우 </a:t>
-            </a:r>
-            <a:r>
-              <a:rPr lang="en-US" altLang="ko-KR" sz="1600" dirty="0" smtClean="0"/>
-              <a:t>rollback</a:t>
-            </a:r>
-            <a:r>
-              <a:rPr lang="ko-KR" altLang="en-US" sz="1600" dirty="0" smtClean="0"/>
-              <a:t>을 이용해 모든 작업을 원래 상태로 되돌릴 수 있다</a:t>
-            </a:r>
-            <a:r>
-              <a:rPr lang="en-US" altLang="ko-KR" sz="1600" dirty="0" smtClean="0"/>
-              <a:t>.</a:t>
-            </a:r>
-          </a:p>
-        </p:txBody>
-      </p:sp>
-      <p:sp>
-        <p:nvSpPr>
-          <p:cNvPr id="8" name="TextBox 7"/>
-          <p:cNvSpPr txBox="1"/>
-          <p:nvPr/>
-        </p:nvSpPr>
-        <p:spPr>
-          <a:xfrm>
-            <a:off x="1064568" y="1988840"/>
-            <a:ext cx="8064896" cy="919401"/>
-          </a:xfrm>
-          <a:prstGeom prst="roundRect">
-            <a:avLst/>
-          </a:prstGeom>
-          <a:ln w="12700"/>
-        </p:spPr>
-        <p:style>
-          <a:lnRef idx="2">
-            <a:schemeClr val="dk1"/>
-          </a:lnRef>
-          <a:fillRef idx="1">
-            <a:schemeClr val="lt1"/>
-          </a:fillRef>
-          <a:effectRef idx="0">
-            <a:schemeClr val="dk1"/>
-          </a:effectRef>
-          <a:fontRef idx="minor">
-            <a:schemeClr val="dk1"/>
-          </a:fontRef>
-        </p:style>
-        <p:txBody>
-          <a:bodyPr wrap="square" rtlCol="0">
-            <a:spAutoFit/>
-          </a:bodyPr>
-          <a:lstStyle/>
-          <a:p>
-            <a:r>
-              <a:rPr lang="ko-KR" altLang="en-US" sz="1600" b="1" dirty="0" smtClean="0">
-                <a:solidFill>
-                  <a:srgbClr val="0070C0"/>
-                </a:solidFill>
-              </a:rPr>
-              <a:t>한 고객이 계좌이체 중 통장 </a:t>
-            </a:r>
-            <a:r>
-              <a:rPr lang="en-US" altLang="ko-KR" sz="1600" b="1" dirty="0" smtClean="0">
-                <a:solidFill>
-                  <a:srgbClr val="0070C0"/>
-                </a:solidFill>
-              </a:rPr>
-              <a:t>A</a:t>
-            </a:r>
-            <a:r>
-              <a:rPr lang="ko-KR" altLang="en-US" sz="1600" b="1" dirty="0" smtClean="0">
-                <a:solidFill>
-                  <a:srgbClr val="0070C0"/>
-                </a:solidFill>
-              </a:rPr>
-              <a:t>에서 통장 </a:t>
-            </a:r>
-            <a:r>
-              <a:rPr lang="en-US" altLang="ko-KR" sz="1600" b="1" dirty="0" smtClean="0">
-                <a:solidFill>
-                  <a:srgbClr val="0070C0"/>
-                </a:solidFill>
-              </a:rPr>
-              <a:t>B</a:t>
-            </a:r>
-            <a:r>
-              <a:rPr lang="ko-KR" altLang="en-US" sz="1600" b="1" dirty="0" smtClean="0">
-                <a:solidFill>
-                  <a:srgbClr val="0070C0"/>
-                </a:solidFill>
-              </a:rPr>
-              <a:t>로 송금을 처리하는 중에 통장 </a:t>
-            </a:r>
-            <a:r>
-              <a:rPr lang="en-US" altLang="ko-KR" sz="1600" b="1" dirty="0" smtClean="0">
-                <a:solidFill>
-                  <a:srgbClr val="0070C0"/>
-                </a:solidFill>
-              </a:rPr>
-              <a:t>A</a:t>
-            </a:r>
-            <a:r>
-              <a:rPr lang="ko-KR" altLang="en-US" sz="1600" b="1" dirty="0" smtClean="0">
-                <a:solidFill>
-                  <a:srgbClr val="0070C0"/>
-                </a:solidFill>
-              </a:rPr>
-              <a:t>에서는 인출되었는데 통장 </a:t>
-            </a:r>
-            <a:r>
-              <a:rPr lang="en-US" altLang="ko-KR" sz="1600" b="1" dirty="0" smtClean="0">
-                <a:solidFill>
-                  <a:srgbClr val="0070C0"/>
-                </a:solidFill>
-              </a:rPr>
-              <a:t>B</a:t>
-            </a:r>
-            <a:r>
-              <a:rPr lang="ko-KR" altLang="en-US" sz="1600" b="1" dirty="0" smtClean="0">
-                <a:solidFill>
-                  <a:srgbClr val="0070C0"/>
-                </a:solidFill>
-              </a:rPr>
-              <a:t>로</a:t>
-            </a:r>
-            <a:r>
-              <a:rPr lang="en-US" altLang="ko-KR" sz="1600" b="1" dirty="0" smtClean="0">
-                <a:solidFill>
-                  <a:srgbClr val="0070C0"/>
-                </a:solidFill>
-              </a:rPr>
-              <a:t> </a:t>
-            </a:r>
-            <a:r>
-              <a:rPr lang="ko-KR" altLang="en-US" sz="1600" b="1" dirty="0" err="1" smtClean="0">
-                <a:solidFill>
-                  <a:srgbClr val="0070C0"/>
-                </a:solidFill>
-              </a:rPr>
-              <a:t>송금중</a:t>
-            </a:r>
-            <a:r>
-              <a:rPr lang="ko-KR" altLang="en-US" sz="1600" b="1" dirty="0" smtClean="0">
-                <a:solidFill>
-                  <a:srgbClr val="0070C0"/>
-                </a:solidFill>
-              </a:rPr>
-              <a:t> 문제가 발생</a:t>
-            </a:r>
-            <a:r>
-              <a:rPr lang="en-US" altLang="ko-KR" sz="1600" b="1" dirty="0" smtClean="0">
-                <a:solidFill>
-                  <a:srgbClr val="0070C0"/>
-                </a:solidFill>
-              </a:rPr>
-              <a:t>(</a:t>
-            </a:r>
-            <a:r>
-              <a:rPr lang="ko-KR" altLang="en-US" sz="1600" b="1" dirty="0" smtClean="0">
-                <a:solidFill>
-                  <a:srgbClr val="0070C0"/>
-                </a:solidFill>
-              </a:rPr>
-              <a:t>정전</a:t>
-            </a:r>
-            <a:r>
-              <a:rPr lang="en-US" altLang="ko-KR" sz="1600" b="1" dirty="0" smtClean="0">
-                <a:solidFill>
-                  <a:srgbClr val="0070C0"/>
-                </a:solidFill>
-              </a:rPr>
-              <a:t>, </a:t>
-            </a:r>
-            <a:r>
-              <a:rPr lang="ko-KR" altLang="en-US" sz="1600" b="1" dirty="0" smtClean="0">
-                <a:solidFill>
-                  <a:srgbClr val="0070C0"/>
-                </a:solidFill>
-              </a:rPr>
-              <a:t>전산오류</a:t>
-            </a:r>
-            <a:r>
-              <a:rPr lang="en-US" altLang="ko-KR" sz="1600" b="1" dirty="0">
-                <a:solidFill>
-                  <a:srgbClr val="0070C0"/>
-                </a:solidFill>
-              </a:rPr>
-              <a:t> </a:t>
-            </a:r>
-            <a:r>
-              <a:rPr lang="ko-KR" altLang="en-US" sz="1600" b="1" dirty="0" smtClean="0">
-                <a:solidFill>
-                  <a:srgbClr val="0070C0"/>
-                </a:solidFill>
-              </a:rPr>
-              <a:t>등</a:t>
-            </a:r>
-            <a:r>
-              <a:rPr lang="en-US" altLang="ko-KR" sz="1600" b="1" dirty="0" smtClean="0">
-                <a:solidFill>
-                  <a:srgbClr val="0070C0"/>
-                </a:solidFill>
-              </a:rPr>
-              <a:t>)</a:t>
-            </a:r>
-            <a:r>
-              <a:rPr lang="ko-KR" altLang="en-US" sz="1600" b="1" dirty="0" smtClean="0">
-                <a:solidFill>
-                  <a:srgbClr val="0070C0"/>
-                </a:solidFill>
-              </a:rPr>
-              <a:t>할 경우 </a:t>
-            </a:r>
-            <a:r>
-              <a:rPr lang="en-US" altLang="ko-KR" sz="1600" b="1" dirty="0" smtClean="0">
-                <a:solidFill>
-                  <a:srgbClr val="0070C0"/>
-                </a:solidFill>
-              </a:rPr>
-              <a:t>B</a:t>
-            </a:r>
-            <a:r>
-              <a:rPr lang="ko-KR" altLang="en-US" sz="1600" b="1" dirty="0" smtClean="0">
-                <a:solidFill>
-                  <a:srgbClr val="0070C0"/>
-                </a:solidFill>
-              </a:rPr>
-              <a:t>로 송금이 되지 않았다면 인출된 돈은 어떻게 처리해야 할까</a:t>
-            </a:r>
-            <a:r>
-              <a:rPr lang="en-US" altLang="ko-KR" sz="1600" b="1" dirty="0" smtClean="0">
-                <a:solidFill>
-                  <a:srgbClr val="0070C0"/>
-                </a:solidFill>
-              </a:rPr>
-              <a:t>?</a:t>
-            </a:r>
-            <a:endParaRPr lang="ko-KR" altLang="en-US" sz="1600" b="1" dirty="0">
-              <a:solidFill>
-                <a:srgbClr val="0070C0"/>
-              </a:solidFill>
-            </a:endParaRPr>
+            <a:r>
+              <a:rPr lang="en-US" altLang="ko-KR" sz="1600" dirty="0" err="1" smtClean="0"/>
+              <a:t>dbcp_test.jsp</a:t>
+            </a:r>
+            <a:endParaRPr lang="ko-KR" altLang="en-US" sz="1600" dirty="0"/>
           </a:p>
         </p:txBody>
       </p:sp>
     </p:spTree>
     <p:extLst>
       <p:ext uri="{BB962C8B-B14F-4D97-AF65-F5344CB8AC3E}">
-        <p14:creationId xmlns:p14="http://schemas.microsoft.com/office/powerpoint/2010/main" val="1594395961"/>
+        <p14:creationId xmlns:p14="http://schemas.microsoft.com/office/powerpoint/2010/main" val="2159703443"/>
       </p:ext>
     </p:extLst>
   </p:cSld>
